--- a/Icse/1-Año/English/assemble and disassemble  (1).pptx
+++ b/Icse/1-Año/English/assemble and disassemble  (1).pptx
@@ -252,7 +252,7 @@
               <a:pPr>
                 <a:defRPr/>
               </a:pPr>
-              <a:t>15/05/2024</a:t>
+              <a:t>23/05/2024</a:t>
             </a:fld>
             <a:endParaRPr lang="es-ES"/>
           </a:p>
@@ -447,7 +447,7 @@
               <a:pPr>
                 <a:defRPr/>
               </a:pPr>
-              <a:t>15/05/2024</a:t>
+              <a:t>23/05/2024</a:t>
             </a:fld>
             <a:endParaRPr lang="es-ES"/>
           </a:p>
@@ -652,7 +652,7 @@
               <a:pPr>
                 <a:defRPr/>
               </a:pPr>
-              <a:t>15/05/2024</a:t>
+              <a:t>23/05/2024</a:t>
             </a:fld>
             <a:endParaRPr lang="es-ES"/>
           </a:p>
@@ -847,7 +847,7 @@
               <a:pPr>
                 <a:defRPr/>
               </a:pPr>
-              <a:t>15/05/2024</a:t>
+              <a:t>23/05/2024</a:t>
             </a:fld>
             <a:endParaRPr lang="es-ES"/>
           </a:p>
@@ -1108,7 +1108,7 @@
               <a:pPr>
                 <a:defRPr/>
               </a:pPr>
-              <a:t>15/05/2024</a:t>
+              <a:t>23/05/2024</a:t>
             </a:fld>
             <a:endParaRPr lang="es-ES"/>
           </a:p>
@@ -1378,7 +1378,7 @@
               <a:pPr>
                 <a:defRPr/>
               </a:pPr>
-              <a:t>15/05/2024</a:t>
+              <a:t>23/05/2024</a:t>
             </a:fld>
             <a:endParaRPr lang="es-ES"/>
           </a:p>
@@ -1789,7 +1789,7 @@
               <a:pPr>
                 <a:defRPr/>
               </a:pPr>
-              <a:t>15/05/2024</a:t>
+              <a:t>23/05/2024</a:t>
             </a:fld>
             <a:endParaRPr lang="es-ES"/>
           </a:p>
@@ -1919,7 +1919,7 @@
               <a:pPr>
                 <a:defRPr/>
               </a:pPr>
-              <a:t>15/05/2024</a:t>
+              <a:t>23/05/2024</a:t>
             </a:fld>
             <a:endParaRPr lang="es-ES"/>
           </a:p>
@@ -2024,7 +2024,7 @@
               <a:pPr>
                 <a:defRPr/>
               </a:pPr>
-              <a:t>15/05/2024</a:t>
+              <a:t>23/05/2024</a:t>
             </a:fld>
             <a:endParaRPr lang="es-ES"/>
           </a:p>
@@ -2329,7 +2329,7 @@
               <a:pPr>
                 <a:defRPr/>
               </a:pPr>
-              <a:t>15/05/2024</a:t>
+              <a:t>23/05/2024</a:t>
             </a:fld>
             <a:endParaRPr lang="es-ES"/>
           </a:p>
@@ -2603,7 +2603,7 @@
               <a:pPr>
                 <a:defRPr/>
               </a:pPr>
-              <a:t>15/05/2024</a:t>
+              <a:t>23/05/2024</a:t>
             </a:fld>
             <a:endParaRPr lang="es-ES"/>
           </a:p>
@@ -2841,7 +2841,7 @@
               <a:pPr>
                 <a:defRPr/>
               </a:pPr>
-              <a:t>15/05/2024</a:t>
+              <a:t>23/05/2024</a:t>
             </a:fld>
             <a:endParaRPr lang="es-ES"/>
           </a:p>
@@ -3293,7 +3293,24 @@
             <a:pPr>
               <a:defRPr/>
             </a:pPr>
-            <a:endParaRPr lang="es-ES"/>
+            <a:r>
+              <a:rPr lang="es-ES" dirty="0" err="1" smtClean="0"/>
+              <a:t>Wuke</a:t>
+            </a:r>
+            <a:r>
+              <a:rPr lang="es-ES" dirty="0" smtClean="0"/>
+              <a:t> Zhang</a:t>
+            </a:r>
+          </a:p>
+          <a:p>
+            <a:pPr>
+              <a:defRPr/>
+            </a:pPr>
+            <a:r>
+              <a:rPr lang="es-ES" smtClean="0"/>
+              <a:t>1-ASIR</a:t>
+            </a:r>
+            <a:endParaRPr lang="es-ES" dirty="0"/>
           </a:p>
         </p:txBody>
       </p:sp>
@@ -3303,7 +3320,7 @@
     <a:masterClrMapping/>
   </p:clrMapOvr>
   <mc:AlternateContent xmlns:mc="http://schemas.openxmlformats.org/markup-compatibility/2006">
-    <mc:Choice xmlns="" xmlns:m="http://schemas.openxmlformats.org/officeDocument/2006/math" xmlns:w="http://schemas.openxmlformats.org/wordprocessingml/2006/main" xmlns:p14="http://schemas.microsoft.com/office/powerpoint/2010/main" Requires="p14">
+    <mc:Choice xmlns:p14="http://schemas.microsoft.com/office/powerpoint/2010/main" xmlns:w="http://schemas.openxmlformats.org/wordprocessingml/2006/main" xmlns:m="http://schemas.openxmlformats.org/officeDocument/2006/math" xmlns="" Requires="p14">
       <p:transition p14:dur="2000" advClick="1"/>
     </mc:Choice>
     <mc:Fallback>
@@ -3421,7 +3438,7 @@
     <a:masterClrMapping/>
   </p:clrMapOvr>
   <mc:AlternateContent xmlns:mc="http://schemas.openxmlformats.org/markup-compatibility/2006">
-    <mc:Choice xmlns="" xmlns:m="http://schemas.openxmlformats.org/officeDocument/2006/math" xmlns:w="http://schemas.openxmlformats.org/wordprocessingml/2006/main" xmlns:p14="http://schemas.microsoft.com/office/powerpoint/2010/main" Requires="p14">
+    <mc:Choice xmlns:p14="http://schemas.microsoft.com/office/powerpoint/2010/main" xmlns:w="http://schemas.openxmlformats.org/wordprocessingml/2006/main" xmlns:m="http://schemas.openxmlformats.org/officeDocument/2006/math" xmlns="" Requires="p14">
       <p:transition p14:dur="2000" advClick="1"/>
     </mc:Choice>
     <mc:Fallback>
@@ -3739,7 +3756,7 @@
     <a:masterClrMapping/>
   </p:clrMapOvr>
   <mc:AlternateContent xmlns:mc="http://schemas.openxmlformats.org/markup-compatibility/2006">
-    <mc:Choice xmlns="" xmlns:m="http://schemas.openxmlformats.org/officeDocument/2006/math" xmlns:w="http://schemas.openxmlformats.org/wordprocessingml/2006/main" xmlns:p14="http://schemas.microsoft.com/office/powerpoint/2010/main" Requires="p14">
+    <mc:Choice xmlns:p14="http://schemas.microsoft.com/office/powerpoint/2010/main" xmlns:w="http://schemas.openxmlformats.org/wordprocessingml/2006/main" xmlns:m="http://schemas.openxmlformats.org/officeDocument/2006/math" xmlns="" Requires="p14">
       <p:transition p14:dur="2000" advClick="1"/>
     </mc:Choice>
     <mc:Fallback>
@@ -3837,7 +3854,7 @@
         </p:blipFill>
         <p:spPr bwMode="auto">
           <a:xfrm>
-            <a:off x="695400" y="332656"/>
+            <a:off x="839416" y="332656"/>
             <a:ext cx="8895800" cy="4536504"/>
           </a:xfrm>
           <a:prstGeom prst="rect">
@@ -3845,13 +3862,315 @@
           </a:prstGeom>
         </p:spPr>
       </p:pic>
+      <p:cxnSp>
+        <p:nvCxnSpPr>
+          <p:cNvPr id="8" name="7 Conector angular"/>
+          <p:cNvCxnSpPr/>
+          <p:nvPr/>
+        </p:nvCxnSpPr>
+        <p:spPr>
+          <a:xfrm rot="16200000" flipH="1">
+            <a:off x="6528048" y="3429000"/>
+            <a:ext cx="504056" cy="504056"/>
+          </a:xfrm>
+          <a:prstGeom prst="bentConnector3">
+            <a:avLst>
+              <a:gd name="adj1" fmla="val 50000"/>
+            </a:avLst>
+          </a:prstGeom>
+        </p:spPr>
+        <p:style>
+          <a:lnRef idx="1">
+            <a:schemeClr val="accent1"/>
+          </a:lnRef>
+          <a:fillRef idx="0">
+            <a:schemeClr val="accent1"/>
+          </a:fillRef>
+          <a:effectRef idx="0">
+            <a:schemeClr val="accent1"/>
+          </a:effectRef>
+          <a:fontRef idx="minor">
+            <a:schemeClr val="tx1"/>
+          </a:fontRef>
+        </p:style>
+      </p:cxnSp>
+      <p:sp>
+        <p:nvSpPr>
+          <p:cNvPr id="14" name="13 CuadroTexto"/>
+          <p:cNvSpPr txBox="1"/>
+          <p:nvPr/>
+        </p:nvSpPr>
+        <p:spPr>
+          <a:xfrm>
+            <a:off x="1199456" y="1340768"/>
+            <a:ext cx="312906" cy="369332"/>
+          </a:xfrm>
+          <a:prstGeom prst="rect">
+            <a:avLst/>
+          </a:prstGeom>
+          <a:noFill/>
+        </p:spPr>
+        <p:txBody>
+          <a:bodyPr wrap="square" rtlCol="0">
+            <a:spAutoFit/>
+          </a:bodyPr>
+          <a:lstStyle/>
+          <a:p>
+            <a:r>
+              <a:rPr lang="es-ES" dirty="0" smtClean="0"/>
+              <a:t>4</a:t>
+            </a:r>
+            <a:endParaRPr lang="es-ES" dirty="0"/>
+          </a:p>
+        </p:txBody>
+      </p:sp>
+      <p:sp>
+        <p:nvSpPr>
+          <p:cNvPr id="15" name="14 CuadroTexto"/>
+          <p:cNvSpPr txBox="1"/>
+          <p:nvPr/>
+        </p:nvSpPr>
+        <p:spPr>
+          <a:xfrm>
+            <a:off x="1343472" y="2060848"/>
+            <a:ext cx="312906" cy="369332"/>
+          </a:xfrm>
+          <a:prstGeom prst="rect">
+            <a:avLst/>
+          </a:prstGeom>
+          <a:noFill/>
+        </p:spPr>
+        <p:txBody>
+          <a:bodyPr wrap="none" rtlCol="0">
+            <a:spAutoFit/>
+          </a:bodyPr>
+          <a:lstStyle/>
+          <a:p>
+            <a:r>
+              <a:rPr lang="es-ES" dirty="0" smtClean="0"/>
+              <a:t>8</a:t>
+            </a:r>
+            <a:endParaRPr lang="es-ES" dirty="0"/>
+          </a:p>
+        </p:txBody>
+      </p:sp>
+      <p:sp>
+        <p:nvSpPr>
+          <p:cNvPr id="16" name="15 CuadroTexto"/>
+          <p:cNvSpPr txBox="1"/>
+          <p:nvPr/>
+        </p:nvSpPr>
+        <p:spPr>
+          <a:xfrm>
+            <a:off x="1271464" y="1700808"/>
+            <a:ext cx="312906" cy="369332"/>
+          </a:xfrm>
+          <a:prstGeom prst="rect">
+            <a:avLst/>
+          </a:prstGeom>
+          <a:noFill/>
+        </p:spPr>
+        <p:txBody>
+          <a:bodyPr wrap="square" rtlCol="0">
+            <a:spAutoFit/>
+          </a:bodyPr>
+          <a:lstStyle/>
+          <a:p>
+            <a:r>
+              <a:rPr lang="es-ES" dirty="0" smtClean="0"/>
+              <a:t>6</a:t>
+            </a:r>
+            <a:endParaRPr lang="es-ES" dirty="0"/>
+          </a:p>
+        </p:txBody>
+      </p:sp>
+      <p:sp>
+        <p:nvSpPr>
+          <p:cNvPr id="17" name="16 CuadroTexto"/>
+          <p:cNvSpPr txBox="1"/>
+          <p:nvPr/>
+        </p:nvSpPr>
+        <p:spPr>
+          <a:xfrm>
+            <a:off x="1127448" y="2420888"/>
+            <a:ext cx="432048" cy="369332"/>
+          </a:xfrm>
+          <a:prstGeom prst="rect">
+            <a:avLst/>
+          </a:prstGeom>
+          <a:noFill/>
+        </p:spPr>
+        <p:txBody>
+          <a:bodyPr wrap="square" rtlCol="0">
+            <a:spAutoFit/>
+          </a:bodyPr>
+          <a:lstStyle/>
+          <a:p>
+            <a:r>
+              <a:rPr lang="es-ES" dirty="0" smtClean="0"/>
+              <a:t>3</a:t>
+            </a:r>
+            <a:endParaRPr lang="es-ES" dirty="0"/>
+          </a:p>
+        </p:txBody>
+      </p:sp>
+      <p:sp>
+        <p:nvSpPr>
+          <p:cNvPr id="18" name="17 CuadroTexto"/>
+          <p:cNvSpPr txBox="1"/>
+          <p:nvPr/>
+        </p:nvSpPr>
+        <p:spPr>
+          <a:xfrm>
+            <a:off x="1271464" y="2996952"/>
+            <a:ext cx="312906" cy="369332"/>
+          </a:xfrm>
+          <a:prstGeom prst="rect">
+            <a:avLst/>
+          </a:prstGeom>
+          <a:noFill/>
+        </p:spPr>
+        <p:txBody>
+          <a:bodyPr wrap="none" rtlCol="0">
+            <a:spAutoFit/>
+          </a:bodyPr>
+          <a:lstStyle/>
+          <a:p>
+            <a:r>
+              <a:rPr lang="es-ES" dirty="0" smtClean="0"/>
+              <a:t>7</a:t>
+            </a:r>
+            <a:endParaRPr lang="es-ES" dirty="0"/>
+          </a:p>
+        </p:txBody>
+      </p:sp>
+      <p:sp>
+        <p:nvSpPr>
+          <p:cNvPr id="20" name="19 CuadroTexto"/>
+          <p:cNvSpPr txBox="1"/>
+          <p:nvPr/>
+        </p:nvSpPr>
+        <p:spPr>
+          <a:xfrm>
+            <a:off x="1127448" y="2708920"/>
+            <a:ext cx="328747" cy="369332"/>
+          </a:xfrm>
+          <a:prstGeom prst="rect">
+            <a:avLst/>
+          </a:prstGeom>
+          <a:noFill/>
+        </p:spPr>
+        <p:txBody>
+          <a:bodyPr wrap="square" rtlCol="0">
+            <a:spAutoFit/>
+          </a:bodyPr>
+          <a:lstStyle/>
+          <a:p>
+            <a:r>
+              <a:rPr lang="es-ES" dirty="0" smtClean="0"/>
+              <a:t>2</a:t>
+            </a:r>
+            <a:endParaRPr lang="es-ES" dirty="0"/>
+          </a:p>
+        </p:txBody>
+      </p:sp>
+      <p:sp>
+        <p:nvSpPr>
+          <p:cNvPr id="21" name="20 CuadroTexto"/>
+          <p:cNvSpPr txBox="1"/>
+          <p:nvPr/>
+        </p:nvSpPr>
+        <p:spPr>
+          <a:xfrm>
+            <a:off x="1199456" y="3356992"/>
+            <a:ext cx="432048" cy="369332"/>
+          </a:xfrm>
+          <a:prstGeom prst="rect">
+            <a:avLst/>
+          </a:prstGeom>
+          <a:noFill/>
+        </p:spPr>
+        <p:txBody>
+          <a:bodyPr wrap="square" rtlCol="0">
+            <a:spAutoFit/>
+          </a:bodyPr>
+          <a:lstStyle/>
+          <a:p>
+            <a:r>
+              <a:rPr lang="es-ES" dirty="0" smtClean="0"/>
+              <a:t>1</a:t>
+            </a:r>
+            <a:endParaRPr lang="es-ES" dirty="0"/>
+          </a:p>
+        </p:txBody>
+      </p:sp>
+      <p:sp>
+        <p:nvSpPr>
+          <p:cNvPr id="22" name="21 CuadroTexto"/>
+          <p:cNvSpPr txBox="1"/>
+          <p:nvPr/>
+        </p:nvSpPr>
+        <p:spPr>
+          <a:xfrm>
+            <a:off x="1271465" y="4005064"/>
+            <a:ext cx="72008" cy="369332"/>
+          </a:xfrm>
+          <a:prstGeom prst="rect">
+            <a:avLst/>
+          </a:prstGeom>
+          <a:noFill/>
+        </p:spPr>
+        <p:txBody>
+          <a:bodyPr wrap="square" rtlCol="0">
+            <a:spAutoFit/>
+          </a:bodyPr>
+          <a:lstStyle/>
+          <a:p>
+            <a:r>
+              <a:rPr lang="es-ES" dirty="0" smtClean="0"/>
+              <a:t>5</a:t>
+            </a:r>
+            <a:endParaRPr lang="es-ES" dirty="0"/>
+          </a:p>
+        </p:txBody>
+      </p:sp>
+      <p:sp>
+        <p:nvSpPr>
+          <p:cNvPr id="23" name="22 CuadroTexto"/>
+          <p:cNvSpPr txBox="1"/>
+          <p:nvPr/>
+        </p:nvSpPr>
+        <p:spPr>
+          <a:xfrm>
+            <a:off x="1199456" y="3717032"/>
+            <a:ext cx="504056" cy="369332"/>
+          </a:xfrm>
+          <a:prstGeom prst="rect">
+            <a:avLst/>
+          </a:prstGeom>
+          <a:noFill/>
+        </p:spPr>
+        <p:txBody>
+          <a:bodyPr wrap="square" rtlCol="0">
+            <a:spAutoFit/>
+          </a:bodyPr>
+          <a:lstStyle/>
+          <a:p>
+            <a:r>
+              <a:rPr lang="es-ES" dirty="0" smtClean="0"/>
+              <a:t>9</a:t>
+            </a:r>
+            <a:endParaRPr lang="es-ES" dirty="0"/>
+          </a:p>
+        </p:txBody>
+      </p:sp>
     </p:spTree>
   </p:cSld>
   <p:clrMapOvr>
     <a:masterClrMapping/>
   </p:clrMapOvr>
   <mc:AlternateContent xmlns:mc="http://schemas.openxmlformats.org/markup-compatibility/2006">
-    <mc:Choice xmlns="" xmlns:m="http://schemas.openxmlformats.org/officeDocument/2006/math" xmlns:w="http://schemas.openxmlformats.org/wordprocessingml/2006/main" xmlns:p14="http://schemas.microsoft.com/office/powerpoint/2010/main" Requires="p14">
+    <mc:Choice xmlns:p14="http://schemas.microsoft.com/office/powerpoint/2010/main" xmlns:w="http://schemas.openxmlformats.org/wordprocessingml/2006/main" xmlns:m="http://schemas.openxmlformats.org/officeDocument/2006/math" xmlns="" Requires="p14">
       <p:transition p14:dur="2000" advClick="1"/>
     </mc:Choice>
     <mc:Fallback>
